--- a/02/02 单接口用例分析与设计.pptx
+++ b/02/02 单接口用例分析与设计.pptx
@@ -220,7 +220,7 @@
           <a:p>
             <a:fld id="{D153A94B-4D51-49F3-B505-FD3351227956}" type="datetimeFigureOut">
               <a:rPr lang="zh-CN" altLang="en-US" smtClean="0"/>
-              <a:t>2018/3/5</a:t>
+              <a:t>2018/3/6</a:t>
             </a:fld>
             <a:endParaRPr lang="zh-CN" altLang="en-US"/>
           </a:p>
@@ -1303,7 +1303,7 @@
           <a:p>
             <a:fld id="{530820CF-B880-4189-942D-D702A7CBA730}" type="datetimeFigureOut">
               <a:rPr lang="zh-CN" altLang="en-US" smtClean="0"/>
-              <a:t>2018/3/5</a:t>
+              <a:t>2018/3/6</a:t>
             </a:fld>
             <a:endParaRPr lang="zh-CN" altLang="en-US"/>
           </a:p>
@@ -1696,7 +1696,7 @@
           <a:p>
             <a:fld id="{530820CF-B880-4189-942D-D702A7CBA730}" type="datetimeFigureOut">
               <a:rPr lang="zh-CN" altLang="en-US" smtClean="0"/>
-              <a:t>2018/3/5</a:t>
+              <a:t>2018/3/6</a:t>
             </a:fld>
             <a:endParaRPr lang="zh-CN" altLang="en-US"/>
           </a:p>
@@ -2242,7 +2242,7 @@
           <a:p>
             <a:fld id="{530820CF-B880-4189-942D-D702A7CBA730}" type="datetimeFigureOut">
               <a:rPr lang="zh-CN" altLang="en-US" smtClean="0"/>
-              <a:t>2018/3/5</a:t>
+              <a:t>2018/3/6</a:t>
             </a:fld>
             <a:endParaRPr lang="zh-CN" altLang="en-US"/>
           </a:p>
@@ -37037,7 +37037,7 @@
         <p:spPr>
           <a:xfrm>
             <a:off x="599605" y="920117"/>
-            <a:ext cx="3180307" cy="2862322"/>
+            <a:ext cx="3180307" cy="3323987"/>
           </a:xfrm>
           <a:prstGeom prst="rect">
             <a:avLst/>
@@ -37146,6 +37146,10 @@
             <a:r>
               <a:rPr lang="en-US" altLang="zh-CN" sz="2000" dirty="0" err="1" smtClean="0"/>
               <a:t>int</a:t>
+            </a:r>
+            <a:r>
+              <a:rPr lang="zh-CN" altLang="en-US" sz="2000" smtClean="0"/>
+              <a:t>（考虑边界值）</a:t>
             </a:r>
             <a:endParaRPr lang="en-US" altLang="zh-CN" sz="2000" dirty="0" smtClean="0"/>
           </a:p>

--- a/02/02 单接口用例分析与设计.pptx
+++ b/02/02 单接口用例分析与设计.pptx
@@ -625,10 +625,6 @@
           <a:bodyPr/>
           <a:lstStyle/>
           <a:p>
-            <a:r>
-              <a:rPr lang="zh-CN" altLang="en-US" dirty="0" smtClean="0"/>
-              <a:t>接口测试不需要考虑两种以上异常情况</a:t>
-            </a:r>
             <a:endParaRPr lang="zh-CN" altLang="en-US" dirty="0"/>
           </a:p>
         </p:txBody>
@@ -3320,6 +3316,35 @@
                 <a:hlinkClick r:id="rId3" action="ppaction://hlinkfile"/>
               </a:rPr>
               <a:t>登录接口因果图法案例</a:t>
+            </a:r>
+            <a:endParaRPr lang="zh-CN" altLang="en-US" dirty="0"/>
+          </a:p>
+        </p:txBody>
+      </p:sp>
+      <p:sp>
+        <p:nvSpPr>
+          <p:cNvPr id="2" name="矩形 1"/>
+          <p:cNvSpPr/>
+          <p:nvPr/>
+        </p:nvSpPr>
+        <p:spPr>
+          <a:xfrm>
+            <a:off x="312387" y="2418243"/>
+            <a:ext cx="4108817" cy="369332"/>
+          </a:xfrm>
+          <a:prstGeom prst="rect">
+            <a:avLst/>
+          </a:prstGeom>
+        </p:spPr>
+        <p:txBody>
+          <a:bodyPr wrap="none">
+            <a:spAutoFit/>
+          </a:bodyPr>
+          <a:lstStyle/>
+          <a:p>
+            <a:r>
+              <a:rPr lang="zh-CN" altLang="en-US" dirty="0"/>
+              <a:t>接口测试不需要考虑两种以上异常情况</a:t>
             </a:r>
             <a:endParaRPr lang="zh-CN" altLang="en-US" dirty="0"/>
           </a:p>
@@ -37148,7 +37173,7 @@
               <a:t>int</a:t>
             </a:r>
             <a:r>
-              <a:rPr lang="zh-CN" altLang="en-US" sz="2000" smtClean="0"/>
+              <a:rPr lang="zh-CN" altLang="en-US" sz="2000" dirty="0" smtClean="0"/>
               <a:t>（考虑边界值）</a:t>
             </a:r>
             <a:endParaRPr lang="en-US" altLang="zh-CN" sz="2000" dirty="0" smtClean="0"/>
